--- a/Final_Project/Final Project, Part 1.pptx
+++ b/Final_Project/Final Project, Part 1.pptx
@@ -4125,7 +4125,15 @@
             </a:r>
             <a:r>
               <a:rPr lang="en-US" sz="1900" dirty="0" smtClean="0"/>
-              <a:t>My friend Brian, an engineer at One Medical, is working on an app that helps medical practices automate these types of tasks. He will provide a dataset containing few hundred labeled medical documents (as images) along with their text. We will select a subset of these types of documents to build a classifier (such as medical history records, lab results and release forms). Each document is the unit of observation, and features we will extract will contain parsed text and/or visual aspects of the images. </a:t>
+              <a:t>My friend Brian, an engineer at One Medical, is working on an app that helps medical practices automate these types of tasks. He will provide a dataset containing few hundred labeled medical documents (as images) along with their text. We will select a subset of these types of documents to build a classifier (such as medical history records, lab results and release forms). Each </a:t>
+            </a:r>
+            <a:r>
+              <a:rPr lang="en-US" sz="1900" dirty="0" smtClean="0"/>
+              <a:t>document page </a:t>
+            </a:r>
+            <a:r>
+              <a:rPr lang="en-US" sz="1900" dirty="0" smtClean="0"/>
+              <a:t>is the unit of observation, and features we will extract will contain parsed text and/or visual aspects of the images. </a:t>
             </a:r>
           </a:p>
           <a:p>

--- a/Final_Project/Final Project, Part 1.pptx
+++ b/Final_Project/Final Project, Part 1.pptx
@@ -339,7 +339,7 @@
           <a:p>
             <a:fld id="{4AAD347D-5ACD-4C99-B74B-A9C85AD731AF}" type="datetimeFigureOut">
               <a:rPr lang="en-US" smtClean="0"/>
-              <a:t>2/21/2017</a:t>
+              <a:t>2/27/2017</a:t>
             </a:fld>
             <a:endParaRPr lang="en-US" dirty="0"/>
           </a:p>
@@ -514,7 +514,7 @@
           <a:p>
             <a:fld id="{4509A250-FF31-4206-8172-F9D3106AACB1}" type="datetimeFigureOut">
               <a:rPr lang="en-US" smtClean="0"/>
-              <a:t>2/21/2017</a:t>
+              <a:t>2/27/2017</a:t>
             </a:fld>
             <a:endParaRPr lang="en-US" dirty="0"/>
           </a:p>
@@ -694,7 +694,7 @@
           <a:p>
             <a:fld id="{4509A250-FF31-4206-8172-F9D3106AACB1}" type="datetimeFigureOut">
               <a:rPr lang="en-US" smtClean="0"/>
-              <a:t>2/21/2017</a:t>
+              <a:t>2/27/2017</a:t>
             </a:fld>
             <a:endParaRPr lang="en-US" dirty="0"/>
           </a:p>
@@ -864,7 +864,7 @@
           <a:p>
             <a:fld id="{4509A250-FF31-4206-8172-F9D3106AACB1}" type="datetimeFigureOut">
               <a:rPr lang="en-US" smtClean="0"/>
-              <a:t>2/21/2017</a:t>
+              <a:t>2/27/2017</a:t>
             </a:fld>
             <a:endParaRPr lang="en-US" dirty="0"/>
           </a:p>
@@ -1122,7 +1122,7 @@
           <a:p>
             <a:fld id="{9796027F-7875-4030-9381-8BD8C4F21935}" type="datetimeFigureOut">
               <a:rPr lang="en-US" smtClean="0"/>
-              <a:t>2/21/2017</a:t>
+              <a:t>2/27/2017</a:t>
             </a:fld>
             <a:endParaRPr lang="en-US" dirty="0"/>
           </a:p>
@@ -1410,7 +1410,7 @@
           <a:p>
             <a:fld id="{9796027F-7875-4030-9381-8BD8C4F21935}" type="datetimeFigureOut">
               <a:rPr lang="en-US" smtClean="0"/>
-              <a:t>2/21/2017</a:t>
+              <a:t>2/27/2017</a:t>
             </a:fld>
             <a:endParaRPr lang="en-US" dirty="0"/>
           </a:p>
@@ -1852,7 +1852,7 @@
           <a:p>
             <a:fld id="{9796027F-7875-4030-9381-8BD8C4F21935}" type="datetimeFigureOut">
               <a:rPr lang="en-US" smtClean="0"/>
-              <a:t>2/21/2017</a:t>
+              <a:t>2/27/2017</a:t>
             </a:fld>
             <a:endParaRPr lang="en-US" dirty="0"/>
           </a:p>
@@ -1970,7 +1970,7 @@
           <a:p>
             <a:fld id="{4509A250-FF31-4206-8172-F9D3106AACB1}" type="datetimeFigureOut">
               <a:rPr lang="en-US" smtClean="0"/>
-              <a:t>2/21/2017</a:t>
+              <a:t>2/27/2017</a:t>
             </a:fld>
             <a:endParaRPr lang="en-US" dirty="0"/>
           </a:p>
@@ -2065,7 +2065,7 @@
           <a:p>
             <a:fld id="{4509A250-FF31-4206-8172-F9D3106AACB1}" type="datetimeFigureOut">
               <a:rPr lang="en-US" smtClean="0"/>
-              <a:t>2/21/2017</a:t>
+              <a:t>2/27/2017</a:t>
             </a:fld>
             <a:endParaRPr lang="en-US" dirty="0"/>
           </a:p>
@@ -2358,7 +2358,7 @@
           <a:p>
             <a:fld id="{4509A250-FF31-4206-8172-F9D3106AACB1}" type="datetimeFigureOut">
               <a:rPr lang="en-US" smtClean="0"/>
-              <a:t>2/21/2017</a:t>
+              <a:t>2/27/2017</a:t>
             </a:fld>
             <a:endParaRPr lang="en-US" dirty="0"/>
           </a:p>
@@ -2636,7 +2636,7 @@
           <a:p>
             <a:fld id="{4509A250-FF31-4206-8172-F9D3106AACB1}" type="datetimeFigureOut">
               <a:rPr lang="en-US" smtClean="0"/>
-              <a:t>2/21/2017</a:t>
+              <a:t>2/27/2017</a:t>
             </a:fld>
             <a:endParaRPr lang="en-US" dirty="0"/>
           </a:p>
@@ -2933,7 +2933,7 @@
           <a:p>
             <a:fld id="{4AAD347D-5ACD-4C99-B74B-A9C85AD731AF}" type="datetimeFigureOut">
               <a:rPr lang="en-US" smtClean="0"/>
-              <a:t>2/21/2017</a:t>
+              <a:t>2/27/2017</a:t>
             </a:fld>
             <a:endParaRPr lang="en-US" dirty="0"/>
           </a:p>
@@ -3526,15 +3526,11 @@
             </a:br>
             <a:r>
               <a:rPr lang="en-US" dirty="0" smtClean="0"/>
-              <a:t>Project </a:t>
+              <a:t>Project 1: </a:t>
             </a:r>
             <a:r>
               <a:rPr lang="en-US" dirty="0" smtClean="0"/>
-              <a:t>1: </a:t>
-            </a:r>
-            <a:r>
-              <a:rPr lang="en-US" dirty="0" smtClean="0"/>
-              <a:t>Severity of Vehicle Accidents</a:t>
+              <a:t>Predicting Drunk Driving Accidents</a:t>
             </a:r>
             <a:endParaRPr lang="en-US" dirty="0"/>
           </a:p>
@@ -3575,12 +3571,20 @@
               <a:t>Vehicle accidents are a well-known problem as a leading cause of death (~35,000/year) and injury (~2.4 million) in the </a:t>
             </a:r>
             <a:r>
-              <a:rPr lang="en-US" sz="1800" dirty="0"/>
-              <a:t>US. </a:t>
-            </a:r>
-            <a:r>
               <a:rPr lang="en-US" sz="1800" dirty="0" smtClean="0"/>
-              <a:t>Building a predictive model to predict the type of injury severity of accidents would help discover behavioral </a:t>
+              <a:t>US, and drunk driving is one of the major causes of these accidents. </a:t>
+            </a:r>
+            <a:r>
+              <a:rPr lang="en-US" sz="1800" dirty="0" smtClean="0"/>
+              <a:t>Building a predictive model to predict the </a:t>
+            </a:r>
+            <a:r>
+              <a:rPr lang="en-US" sz="1800" dirty="0" smtClean="0"/>
+              <a:t>accidents involving drunk drivers would </a:t>
+            </a:r>
+            <a:r>
+              <a:rPr lang="en-US" sz="1800" dirty="0" smtClean="0"/>
+              <a:t>help discover behavioral </a:t>
             </a:r>
             <a:r>
               <a:rPr lang="en-US" sz="1800" dirty="0"/>
@@ -3596,8 +3600,9 @@
             </a:r>
             <a:r>
               <a:rPr lang="en-US" sz="1800" dirty="0" smtClean="0"/>
-              <a:t>policy. </a:t>
-            </a:r>
+              <a:t>policy that could help prevent these accidents. </a:t>
+            </a:r>
+            <a:endParaRPr lang="en-US" sz="1800" dirty="0" smtClean="0"/>
           </a:p>
           <a:p>
             <a:r>
@@ -3622,7 +3627,11 @@
             </a:r>
             <a:r>
               <a:rPr lang="en-US" sz="1800" dirty="0"/>
-              <a:t>of the </a:t>
+              <a:t>of </a:t>
+            </a:r>
+            <a:r>
+              <a:rPr lang="en-US" sz="1800" dirty="0" smtClean="0"/>
+              <a:t>the fatal </a:t>
             </a:r>
             <a:r>
               <a:rPr lang="en-US" sz="1800" dirty="0" smtClean="0"/>
@@ -3654,7 +3663,11 @@
             </a:r>
             <a:r>
               <a:rPr lang="en-US" sz="1800" dirty="0" smtClean="0"/>
-              <a:t>whether a drunk driver was involved, the location</a:t>
+              <a:t>the </a:t>
+            </a:r>
+            <a:r>
+              <a:rPr lang="en-US" sz="1800" dirty="0" smtClean="0"/>
+              <a:t>location</a:t>
             </a:r>
             <a:r>
               <a:rPr lang="en-US" sz="1800" dirty="0"/>
@@ -3670,7 +3683,15 @@
             </a:r>
             <a:r>
               <a:rPr lang="en-US" sz="1800" dirty="0" smtClean="0"/>
-              <a:t>involved. The outcome I will predict is the crash injury type: Fatal, Injury Only, Property Damage Only, and Other (multiclass classification problem). Each observation in the accidents data represents a unique accident case, and this case ID column joins to the vehicle and person data tables. The biggest challenge I anticipate will be feature selection and feature engineering.</a:t>
+              <a:t>involved. The outcome I will predict is </a:t>
+            </a:r>
+            <a:r>
+              <a:rPr lang="en-US" sz="1800" dirty="0" smtClean="0"/>
+              <a:t>whether a driver with positive BAC was involved (binary classification). Each </a:t>
+            </a:r>
+            <a:r>
+              <a:rPr lang="en-US" sz="1800" dirty="0" smtClean="0"/>
+              <a:t>observation in the accidents data represents a unique accident case, and this case ID column joins to the vehicle and person data tables. The biggest challenge I anticipate will be feature selection and feature engineering.</a:t>
             </a:r>
           </a:p>
           <a:p>
@@ -3680,7 +3701,15 @@
             </a:r>
             <a:r>
               <a:rPr lang="en-US" sz="1800" dirty="0" smtClean="0"/>
-              <a:t>The accident, vehicle and person data will allow us to predict the types of accidents that lead to different injury severities or property damage. I have found some similar previous work, but not using this particular 2015 dataset to predict the crash injury type variable.</a:t>
+              <a:t>The accident, vehicle and person data will allow us to predict the types of accidents </a:t>
+            </a:r>
+            <a:r>
+              <a:rPr lang="en-US" sz="1800" dirty="0" smtClean="0"/>
+              <a:t>involving drunk drivers, and </a:t>
+            </a:r>
+            <a:r>
+              <a:rPr lang="en-US" sz="1800" dirty="0" smtClean="0"/>
+              <a:t>help reveal insights on how to prevent the accidents.</a:t>
             </a:r>
             <a:endParaRPr lang="en-US" sz="2500" b="1" dirty="0"/>
           </a:p>
@@ -3774,15 +3803,7 @@
           <a:p>
             <a:r>
               <a:rPr lang="en-US" dirty="0" smtClean="0"/>
-              <a:t>Project </a:t>
-            </a:r>
-            <a:r>
-              <a:rPr lang="en-US" dirty="0" smtClean="0"/>
-              <a:t>2: </a:t>
-            </a:r>
-            <a:r>
-              <a:rPr lang="en-US" dirty="0" smtClean="0"/>
-              <a:t>Shelter Animal Outcomes</a:t>
+              <a:t>Project 2: Shelter Animal Outcomes</a:t>
             </a:r>
             <a:endParaRPr lang="en-US" dirty="0"/>
           </a:p>
@@ -3957,15 +3978,7 @@
             </a:r>
             <a:r>
               <a:rPr lang="en-US" sz="1800" dirty="0" smtClean="0"/>
-              <a:t>animal </a:t>
-            </a:r>
-            <a:r>
-              <a:rPr lang="en-US" sz="1800" dirty="0" smtClean="0"/>
-              <a:t>center which include Adoption, Died, Euthanasia, Return to owner, and Transfer (multiclass </a:t>
-            </a:r>
-            <a:r>
-              <a:rPr lang="en-US" sz="1800" dirty="0" smtClean="0"/>
-              <a:t>classification problem). Each observation represents a unique animal that was released from the animal center, and some of the features include type of animal, sex, age, breed and color.</a:t>
+              <a:t>animal center which include Adoption, Died, Euthanasia, Return to owner, and Transfer (multiclass classification problem). Each observation represents a unique animal that was released from the animal center, and some of the features include type of animal, sex, age, breed and color.</a:t>
             </a:r>
           </a:p>
           <a:p>
@@ -4057,15 +4070,7 @@
             </a:br>
             <a:r>
               <a:rPr lang="en-US" dirty="0" smtClean="0"/>
-              <a:t>Project </a:t>
-            </a:r>
-            <a:r>
-              <a:rPr lang="en-US" dirty="0" smtClean="0"/>
-              <a:t>3: </a:t>
-            </a:r>
-            <a:r>
-              <a:rPr lang="en-US" dirty="0" smtClean="0"/>
-              <a:t>Classifying Medical Documents</a:t>
+              <a:t>Project 3: Classifying Medical Documents</a:t>
             </a:r>
             <a:endParaRPr lang="en-US" dirty="0"/>
           </a:p>
@@ -4103,15 +4108,7 @@
             </a:r>
             <a:r>
               <a:rPr lang="en-US" sz="1800" dirty="0" smtClean="0"/>
-              <a:t>Medical practices handle a large multitude of documents for each of their </a:t>
-            </a:r>
-            <a:r>
-              <a:rPr lang="en-US" sz="1800" dirty="0" smtClean="0"/>
-              <a:t>patients (many coming from different sources) </a:t>
-            </a:r>
-            <a:r>
-              <a:rPr lang="en-US" sz="1800" dirty="0" smtClean="0"/>
-              <a:t>that often require manual work of administrators to classify, compile and file. A model that would automate the process of classifying and filing these documents would help save the practices a considerable amount of time, money and resources.</a:t>
+              <a:t>Medical practices handle a large multitude of documents for each of their patients (many coming from different sources) that often require manual work of administrators to classify, compile and file. A model that would automate the process of classifying and filing these documents would help save the practices a considerable amount of time, money and resources.</a:t>
             </a:r>
           </a:p>
           <a:p>
@@ -4125,15 +4122,7 @@
             </a:r>
             <a:r>
               <a:rPr lang="en-US" sz="1900" dirty="0" smtClean="0"/>
-              <a:t>My friend Brian, an engineer at One Medical, is working on an app that helps medical practices automate these types of tasks. He will provide a dataset containing few hundred labeled medical documents (as images) along with their text. We will select a subset of these types of documents to build a classifier (such as medical history records, lab results and release forms). Each </a:t>
-            </a:r>
-            <a:r>
-              <a:rPr lang="en-US" sz="1900" dirty="0" smtClean="0"/>
-              <a:t>document page </a:t>
-            </a:r>
-            <a:r>
-              <a:rPr lang="en-US" sz="1900" dirty="0" smtClean="0"/>
-              <a:t>is the unit of observation, and features we will extract will contain parsed text and/or visual aspects of the images. </a:t>
+              <a:t>My friend Brian, an engineer at One Medical, is working on an app that helps medical practices automate these types of tasks. He will provide a dataset containing few hundred labeled medical documents (as images) along with their text. We will select a subset of these types of documents to build a classifier (such as medical history records, lab results and release forms). Each document page is the unit of observation, and features we will extract will contain parsed text and/or visual aspects of the images. </a:t>
             </a:r>
           </a:p>
           <a:p>

--- a/Final_Project/Final Project, Part 1.pptx
+++ b/Final_Project/Final Project, Part 1.pptx
@@ -3526,11 +3526,7 @@
             </a:br>
             <a:r>
               <a:rPr lang="en-US" dirty="0" smtClean="0"/>
-              <a:t>Project 1: </a:t>
-            </a:r>
-            <a:r>
-              <a:rPr lang="en-US" dirty="0" smtClean="0"/>
-              <a:t>Predicting Drunk Driving Accidents</a:t>
+              <a:t>Project 1: Predicting Drunk Driving Accidents</a:t>
             </a:r>
             <a:endParaRPr lang="en-US" dirty="0"/>
           </a:p>
@@ -3568,23 +3564,7 @@
             </a:r>
             <a:r>
               <a:rPr lang="en-US" sz="1800" dirty="0" smtClean="0"/>
-              <a:t>Vehicle accidents are a well-known problem as a leading cause of death (~35,000/year) and injury (~2.4 million) in the </a:t>
-            </a:r>
-            <a:r>
-              <a:rPr lang="en-US" sz="1800" dirty="0" smtClean="0"/>
-              <a:t>US, and drunk driving is one of the major causes of these accidents. </a:t>
-            </a:r>
-            <a:r>
-              <a:rPr lang="en-US" sz="1800" dirty="0" smtClean="0"/>
-              <a:t>Building a predictive model to predict the </a:t>
-            </a:r>
-            <a:r>
-              <a:rPr lang="en-US" sz="1800" dirty="0" smtClean="0"/>
-              <a:t>accidents involving drunk drivers would </a:t>
-            </a:r>
-            <a:r>
-              <a:rPr lang="en-US" sz="1800" dirty="0" smtClean="0"/>
-              <a:t>help discover behavioral </a:t>
+              <a:t>Vehicle accidents are a well-known problem as a leading cause of death (~35,000/year) and injury (~2.4 million) in the US, and drunk driving is one of the major causes of these accidents. Building a predictive model to predict the accidents involving drunk drivers would help discover behavioral </a:t>
             </a:r>
             <a:r>
               <a:rPr lang="en-US" sz="1800" dirty="0"/>
@@ -3602,7 +3582,6 @@
               <a:rPr lang="en-US" sz="1800" dirty="0" smtClean="0"/>
               <a:t>policy that could help prevent these accidents. </a:t>
             </a:r>
-            <a:endParaRPr lang="en-US" sz="1800" dirty="0" smtClean="0"/>
           </a:p>
           <a:p>
             <a:r>
@@ -3631,11 +3610,7 @@
             </a:r>
             <a:r>
               <a:rPr lang="en-US" sz="1800" dirty="0" smtClean="0"/>
-              <a:t>the fatal </a:t>
-            </a:r>
-            <a:r>
-              <a:rPr lang="en-US" sz="1800" dirty="0" smtClean="0"/>
-              <a:t>accidents that </a:t>
+              <a:t>the fatal accidents that </a:t>
             </a:r>
             <a:r>
               <a:rPr lang="en-US" sz="1800" dirty="0"/>
@@ -3663,11 +3638,7 @@
             </a:r>
             <a:r>
               <a:rPr lang="en-US" sz="1800" dirty="0" smtClean="0"/>
-              <a:t>the </a:t>
-            </a:r>
-            <a:r>
-              <a:rPr lang="en-US" sz="1800" dirty="0" smtClean="0"/>
-              <a:t>location</a:t>
+              <a:t>the location</a:t>
             </a:r>
             <a:r>
               <a:rPr lang="en-US" sz="1800" dirty="0"/>
@@ -3683,15 +3654,15 @@
             </a:r>
             <a:r>
               <a:rPr lang="en-US" sz="1800" dirty="0" smtClean="0"/>
-              <a:t>involved. The outcome I will predict is </a:t>
+              <a:t>involved. The outcome I will predict is whether a </a:t>
+            </a:r>
+            <a:r>
+              <a:rPr lang="en-US" sz="1800" smtClean="0"/>
+              <a:t>drunk driver was </a:t>
             </a:r>
             <a:r>
               <a:rPr lang="en-US" sz="1800" dirty="0" smtClean="0"/>
-              <a:t>whether a driver with positive BAC was involved (binary classification). Each </a:t>
-            </a:r>
-            <a:r>
-              <a:rPr lang="en-US" sz="1800" dirty="0" smtClean="0"/>
-              <a:t>observation in the accidents data represents a unique accident case, and this case ID column joins to the vehicle and person data tables. The biggest challenge I anticipate will be feature selection and feature engineering.</a:t>
+              <a:t>involved (binary classification). Each observation in the accidents data represents a unique accident case, and this case ID column joins to the vehicle and person data tables. The biggest challenge I anticipate will be feature selection and feature engineering.</a:t>
             </a:r>
           </a:p>
           <a:p>
@@ -3701,15 +3672,7 @@
             </a:r>
             <a:r>
               <a:rPr lang="en-US" sz="1800" dirty="0" smtClean="0"/>
-              <a:t>The accident, vehicle and person data will allow us to predict the types of accidents </a:t>
-            </a:r>
-            <a:r>
-              <a:rPr lang="en-US" sz="1800" dirty="0" smtClean="0"/>
-              <a:t>involving drunk drivers, and </a:t>
-            </a:r>
-            <a:r>
-              <a:rPr lang="en-US" sz="1800" dirty="0" smtClean="0"/>
-              <a:t>help reveal insights on how to prevent the accidents.</a:t>
+              <a:t>The accident, vehicle and person data will allow us to predict the types of accidents involving drunk drivers, and help reveal insights on how to prevent the accidents.</a:t>
             </a:r>
             <a:endParaRPr lang="en-US" sz="2500" b="1" dirty="0"/>
           </a:p>
